--- a/ppt/CustomerReport1.pptx
+++ b/ppt/CustomerReport1.pptx
@@ -1288,20 +1288,6 @@
 <file path=ppt/slides/slide1.xml><?xml version="1.0" encoding="utf-8"?>
 <p:sld xmlns:a="http://schemas.openxmlformats.org/drawingml/2006/main" xmlns:r="http://schemas.openxmlformats.org/officeDocument/2006/relationships" xmlns:p="http://schemas.openxmlformats.org/presentationml/2006/main">
   <p:cSld name="Slide 1">
-    <p:bg>
-      <p:bgPr>
-        <a:blipFill dpi="0" rotWithShape="1">
-          <a:blip r:embed="rId1">
-            <a:lum/>
-          </a:blip>
-          <a:srcRect/>
-          <a:stretch>
-            <a:fillRect/>
-          </a:stretch>
-        </a:blipFill>
-        <a:effectLst/>
-      </p:bgPr>
-    </p:bg>
     <p:spTree>
       <p:nvGrpSpPr>
         <p:cNvPr id="1" name=""/>
@@ -1325,7 +1311,7 @@
           <p:nvPr/>
         </p:nvPicPr>
         <p:blipFill>
-          <a:blip r:embed="rId2"/>
+          <a:blip r:embed="rId1"/>
           <a:stretch>
             <a:fillRect/>
           </a:stretch>
@@ -1487,15 +1473,6 @@
 <file path=ppt/slides/slide2.xml><?xml version="1.0" encoding="utf-8"?>
 <p:sld xmlns:a="http://schemas.openxmlformats.org/drawingml/2006/main" xmlns:r="http://schemas.openxmlformats.org/officeDocument/2006/relationships" xmlns:p="http://schemas.openxmlformats.org/presentationml/2006/main">
   <p:cSld name="Slide 2">
-    <p:bg>
-      <p:bgPr>
-        <a:solidFill>
-          <a:srgbClr val="FFF000">
-            <a:alpha val="50000"/>
-          </a:srgbClr>
-        </a:solidFill>
-      </p:bgPr>
-    </p:bg>
     <p:spTree>
       <p:nvGrpSpPr>
         <p:cNvPr id="1" name=""/>
